--- a/xiao-present.pptx
+++ b/xiao-present.pptx
@@ -337,7 +337,7 @@
                 <a:ea typeface="宋体" panose="02010600030101010101" pitchFamily="2" charset="-122"/>
                 <a:cs typeface="+mn-cs"/>
               </a:rPr>
-              <a:t>2024/5/30</a:t>
+              <a:t>2024/6/5</a:t>
             </a:fld>
             <a:endParaRPr lang="zh-CN" altLang="en-US" strike="noStrike" noProof="1"/>
           </a:p>
@@ -607,6 +607,77 @@
 </p:notesMaster>
 </file>
 
+<file path=ppt/notesSlides/notesSlide1.xml><?xml version="1.0" encoding="utf-8"?>
+<p:notes xmlns:a="http://schemas.openxmlformats.org/drawingml/2006/main" xmlns:r="http://schemas.openxmlformats.org/officeDocument/2006/relationships" xmlns:p="http://schemas.openxmlformats.org/presentationml/2006/main">
+  <p:cSld>
+    <p:spTree>
+      <p:nvGrpSpPr>
+        <p:cNvPr id="1" name=""/>
+        <p:cNvGrpSpPr/>
+        <p:nvPr/>
+      </p:nvGrpSpPr>
+      <p:grpSpPr>
+        <a:xfrm>
+          <a:off x="0" y="0"/>
+          <a:ext cx="0" cy="0"/>
+          <a:chOff x="0" y="0"/>
+          <a:chExt cx="0" cy="0"/>
+        </a:xfrm>
+      </p:grpSpPr>
+      <p:sp>
+        <p:nvSpPr>
+          <p:cNvPr id="2" name="Slide Image Placeholder 1"/>
+          <p:cNvSpPr>
+            <a:spLocks noGrp="1" noRot="1" noChangeAspect="1"/>
+          </p:cNvSpPr>
+          <p:nvPr>
+            <p:ph type="sldImg"/>
+          </p:nvPr>
+        </p:nvSpPr>
+        <p:spPr/>
+      </p:sp>
+      <p:sp>
+        <p:nvSpPr>
+          <p:cNvPr id="3" name="Notes Placeholder 2"/>
+          <p:cNvSpPr>
+            <a:spLocks noGrp="1"/>
+          </p:cNvSpPr>
+          <p:nvPr>
+            <p:ph type="body" idx="1"/>
+          </p:nvPr>
+        </p:nvSpPr>
+        <p:spPr/>
+        <p:txBody>
+          <a:bodyPr/>
+          <a:lstStyle/>
+          <a:p>
+            <a:r>
+              <a:rPr lang="zh-CN" altLang="en-US" b="0" i="0" dirty="0">
+                <a:solidFill>
+                  <a:srgbClr val="24292F"/>
+                </a:solidFill>
+                <a:effectLst/>
+                <a:latin typeface="Noto Sans" panose="020B0502040504020204" pitchFamily="34" charset="0"/>
+              </a:rPr>
+              <a:t>深入分析和优化伴鱼公司的软件项目风险管理对提升公司整体项目管理水平和确保公司战略目标实现具有重要的实践价值</a:t>
+            </a:r>
+            <a:endParaRPr lang="en-CN" dirty="0"/>
+          </a:p>
+        </p:txBody>
+      </p:sp>
+    </p:spTree>
+    <p:extLst>
+      <p:ext uri="{BB962C8B-B14F-4D97-AF65-F5344CB8AC3E}">
+        <p14:creationId xmlns:p14="http://schemas.microsoft.com/office/powerpoint/2010/main" val="1344259038"/>
+      </p:ext>
+    </p:extLst>
+  </p:cSld>
+  <p:clrMapOvr>
+    <a:masterClrMapping/>
+  </p:clrMapOvr>
+</p:notes>
+</file>
+
 <file path=ppt/slideLayouts/slideLayout1.xml><?xml version="1.0" encoding="utf-8"?>
 <p:sldLayout xmlns:a="http://schemas.openxmlformats.org/drawingml/2006/main" xmlns:r="http://schemas.openxmlformats.org/officeDocument/2006/relationships" xmlns:p="http://schemas.openxmlformats.org/presentationml/2006/main" type="title" preserve="1">
   <p:cSld name="标题幻灯片">
@@ -819,7 +890,7 @@
                 <a:ea typeface="+mn-ea"/>
                 <a:cs typeface="+mn-cs"/>
               </a:rPr>
-              <a:t>2024/5/30</a:t>
+              <a:t>2024/6/5</a:t>
             </a:fld>
             <a:endParaRPr kumimoji="0" lang="zh-CN" altLang="en-US" sz="1200" b="0" i="0" u="none" strike="noStrike" kern="1200" cap="none" spc="0" normalizeH="0" baseline="0" noProof="0">
               <a:ln>
@@ -1067,7 +1138,7 @@
                 <a:ea typeface="+mn-ea"/>
                 <a:cs typeface="+mn-cs"/>
               </a:rPr>
-              <a:t>2024/5/30</a:t>
+              <a:t>2024/6/5</a:t>
             </a:fld>
             <a:endParaRPr kumimoji="0" lang="zh-CN" altLang="en-US" sz="1200" b="0" i="0" u="none" strike="noStrike" kern="1200" cap="none" spc="0" normalizeH="0" baseline="0" noProof="0">
               <a:ln>
@@ -1325,7 +1396,7 @@
                 <a:ea typeface="+mn-ea"/>
                 <a:cs typeface="+mn-cs"/>
               </a:rPr>
-              <a:t>2024/5/30</a:t>
+              <a:t>2024/6/5</a:t>
             </a:fld>
             <a:endParaRPr kumimoji="0" lang="zh-CN" altLang="en-US" sz="1200" b="0" i="0" u="none" strike="noStrike" kern="1200" cap="none" spc="0" normalizeH="0" baseline="0" noProof="0">
               <a:ln>
@@ -1542,7 +1613,7 @@
                 <a:ea typeface="+mn-ea"/>
                 <a:cs typeface="+mn-cs"/>
               </a:rPr>
-              <a:t>2024/5/30</a:t>
+              <a:t>2024/6/5</a:t>
             </a:fld>
             <a:endParaRPr kumimoji="0" lang="zh-CN" altLang="en-US" sz="1200" b="0" i="0" u="none" strike="noStrike" kern="1200" cap="none" spc="0" normalizeH="0" baseline="0" noProof="0">
               <a:ln>
@@ -1863,7 +1934,7 @@
                 <a:ea typeface="+mn-ea"/>
                 <a:cs typeface="+mn-cs"/>
               </a:rPr>
-              <a:t>2024/5/30</a:t>
+              <a:t>2024/6/5</a:t>
             </a:fld>
             <a:endParaRPr kumimoji="0" lang="zh-CN" altLang="en-US" sz="1200" b="0" i="0" u="none" strike="noStrike" kern="1200" cap="none" spc="0" normalizeH="0" baseline="0" noProof="0">
               <a:ln>
@@ -2111,7 +2182,7 @@
                 <a:ea typeface="+mn-ea"/>
                 <a:cs typeface="+mn-cs"/>
               </a:rPr>
-              <a:t>2024/5/30</a:t>
+              <a:t>2024/6/5</a:t>
             </a:fld>
             <a:endParaRPr kumimoji="0" lang="zh-CN" altLang="en-US" sz="1200" b="0" i="0" u="none" strike="noStrike" kern="1200" cap="none" spc="0" normalizeH="0" baseline="0" noProof="0">
               <a:ln>
@@ -2436,7 +2507,7 @@
                 <a:ea typeface="+mn-ea"/>
                 <a:cs typeface="+mn-cs"/>
               </a:rPr>
-              <a:t>2024/5/30</a:t>
+              <a:t>2024/6/5</a:t>
             </a:fld>
             <a:endParaRPr kumimoji="0" lang="zh-CN" altLang="en-US" sz="1200" b="0" i="0" u="none" strike="noStrike" kern="1200" cap="none" spc="0" normalizeH="0" baseline="0" noProof="0">
               <a:ln>
@@ -2801,7 +2872,7 @@
                 <a:ea typeface="+mn-ea"/>
                 <a:cs typeface="+mn-cs"/>
               </a:rPr>
-              <a:t>2024/5/30</a:t>
+              <a:t>2024/6/5</a:t>
             </a:fld>
             <a:endParaRPr kumimoji="0" lang="zh-CN" altLang="en-US" sz="1200" b="0" i="0" u="none" strike="noStrike" kern="1200" cap="none" spc="0" normalizeH="0" baseline="0" noProof="0">
               <a:ln>
@@ -3300,7 +3371,7 @@
                 <a:ea typeface="+mn-ea"/>
                 <a:cs typeface="+mn-cs"/>
               </a:rPr>
-              <a:t>2024/5/30</a:t>
+              <a:t>2024/6/5</a:t>
             </a:fld>
             <a:endParaRPr kumimoji="0" lang="zh-CN" altLang="en-US" sz="1200" b="0" i="0" u="none" strike="noStrike" kern="1200" cap="none" spc="0" normalizeH="0" baseline="0" noProof="0">
               <a:ln>
@@ -3497,7 +3568,7 @@
                 <a:ea typeface="+mn-ea"/>
                 <a:cs typeface="+mn-cs"/>
               </a:rPr>
-              <a:t>2024/5/30</a:t>
+              <a:t>2024/6/5</a:t>
             </a:fld>
             <a:endParaRPr kumimoji="0" lang="zh-CN" altLang="en-US" sz="1200" b="0" i="0" u="none" strike="noStrike" kern="1200" cap="none" spc="0" normalizeH="0" baseline="0" noProof="0">
               <a:ln>
@@ -3671,7 +3742,7 @@
                 <a:ea typeface="+mn-ea"/>
                 <a:cs typeface="+mn-cs"/>
               </a:rPr>
-              <a:t>2024/5/30</a:t>
+              <a:t>2024/6/5</a:t>
             </a:fld>
             <a:endParaRPr kumimoji="0" lang="zh-CN" altLang="en-US" sz="1200" b="0" i="0" u="none" strike="noStrike" kern="1200" cap="none" spc="0" normalizeH="0" baseline="0" noProof="0">
               <a:ln>
@@ -3919,7 +3990,7 @@
                 <a:ea typeface="+mn-ea"/>
                 <a:cs typeface="+mn-cs"/>
               </a:rPr>
-              <a:t>2024/5/30</a:t>
+              <a:t>2024/6/5</a:t>
             </a:fld>
             <a:endParaRPr kumimoji="0" lang="zh-CN" altLang="en-US" sz="1200" b="0" i="0" u="none" strike="noStrike" kern="1200" cap="none" spc="0" normalizeH="0" baseline="0" noProof="0">
               <a:ln>
@@ -4274,7 +4345,7 @@
                 <a:ea typeface="+mn-ea"/>
                 <a:cs typeface="+mn-cs"/>
               </a:rPr>
-              <a:t>2024/5/30</a:t>
+              <a:t>2024/6/5</a:t>
             </a:fld>
             <a:endParaRPr kumimoji="0" lang="zh-CN" altLang="en-US" sz="1200" b="0" i="0" u="none" strike="noStrike" kern="1200" cap="none" spc="0" normalizeH="0" baseline="0" noProof="0">
               <a:ln>
@@ -4637,7 +4708,7 @@
                 <a:ea typeface="+mn-ea"/>
                 <a:cs typeface="+mn-cs"/>
               </a:rPr>
-              <a:t>2024/5/30</a:t>
+              <a:t>2024/6/5</a:t>
             </a:fld>
             <a:endParaRPr kumimoji="0" lang="zh-CN" altLang="en-US" sz="1200" b="0" i="0" u="none" strike="noStrike" kern="1200" cap="none" spc="0" normalizeH="0" baseline="0" noProof="0">
               <a:ln>
@@ -4885,7 +4956,7 @@
                 <a:ea typeface="+mn-ea"/>
                 <a:cs typeface="+mn-cs"/>
               </a:rPr>
-              <a:t>2024/5/30</a:t>
+              <a:t>2024/6/5</a:t>
             </a:fld>
             <a:endParaRPr kumimoji="0" lang="zh-CN" altLang="en-US" sz="1200" b="0" i="0" u="none" strike="noStrike" kern="1200" cap="none" spc="0" normalizeH="0" baseline="0" noProof="0">
               <a:ln>
@@ -5143,7 +5214,7 @@
                 <a:ea typeface="+mn-ea"/>
                 <a:cs typeface="+mn-cs"/>
               </a:rPr>
-              <a:t>2024/5/30</a:t>
+              <a:t>2024/6/5</a:t>
             </a:fld>
             <a:endParaRPr kumimoji="0" lang="zh-CN" altLang="en-US" sz="1200" b="0" i="0" u="none" strike="noStrike" kern="1200" cap="none" spc="0" normalizeH="0" baseline="0" noProof="0">
               <a:ln>
@@ -5464,7 +5535,7 @@
                 <a:ea typeface="+mn-ea"/>
                 <a:cs typeface="+mn-cs"/>
               </a:rPr>
-              <a:t>2024/5/30</a:t>
+              <a:t>2024/6/5</a:t>
             </a:fld>
             <a:endParaRPr kumimoji="0" lang="zh-CN" altLang="en-US" sz="1200" b="0" i="0" u="none" strike="noStrike" kern="1200" cap="none" spc="0" normalizeH="0" baseline="0" noProof="0">
               <a:ln>
@@ -5712,7 +5783,7 @@
                 <a:ea typeface="+mn-ea"/>
                 <a:cs typeface="+mn-cs"/>
               </a:rPr>
-              <a:t>2024/5/30</a:t>
+              <a:t>2024/6/5</a:t>
             </a:fld>
             <a:endParaRPr kumimoji="0" lang="zh-CN" altLang="en-US" sz="1200" b="0" i="0" u="none" strike="noStrike" kern="1200" cap="none" spc="0" normalizeH="0" baseline="0" noProof="0">
               <a:ln>
@@ -6037,7 +6108,7 @@
                 <a:ea typeface="+mn-ea"/>
                 <a:cs typeface="+mn-cs"/>
               </a:rPr>
-              <a:t>2024/5/30</a:t>
+              <a:t>2024/6/5</a:t>
             </a:fld>
             <a:endParaRPr kumimoji="0" lang="zh-CN" altLang="en-US" sz="1200" b="0" i="0" u="none" strike="noStrike" kern="1200" cap="none" spc="0" normalizeH="0" baseline="0" noProof="0">
               <a:ln>
@@ -6402,7 +6473,7 @@
                 <a:ea typeface="+mn-ea"/>
                 <a:cs typeface="+mn-cs"/>
               </a:rPr>
-              <a:t>2024/5/30</a:t>
+              <a:t>2024/6/5</a:t>
             </a:fld>
             <a:endParaRPr kumimoji="0" lang="zh-CN" altLang="en-US" sz="1200" b="0" i="0" u="none" strike="noStrike" kern="1200" cap="none" spc="0" normalizeH="0" baseline="0" noProof="0">
               <a:ln>
@@ -6901,7 +6972,7 @@
                 <a:ea typeface="+mn-ea"/>
                 <a:cs typeface="+mn-cs"/>
               </a:rPr>
-              <a:t>2024/5/30</a:t>
+              <a:t>2024/6/5</a:t>
             </a:fld>
             <a:endParaRPr kumimoji="0" lang="zh-CN" altLang="en-US" sz="1200" b="0" i="0" u="none" strike="noStrike" kern="1200" cap="none" spc="0" normalizeH="0" baseline="0" noProof="0">
               <a:ln>
@@ -7098,7 +7169,7 @@
                 <a:ea typeface="+mn-ea"/>
                 <a:cs typeface="+mn-cs"/>
               </a:rPr>
-              <a:t>2024/5/30</a:t>
+              <a:t>2024/6/5</a:t>
             </a:fld>
             <a:endParaRPr kumimoji="0" lang="zh-CN" altLang="en-US" sz="1200" b="0" i="0" u="none" strike="noStrike" kern="1200" cap="none" spc="0" normalizeH="0" baseline="0" noProof="0">
               <a:ln>
@@ -7423,7 +7494,7 @@
                 <a:ea typeface="+mn-ea"/>
                 <a:cs typeface="+mn-cs"/>
               </a:rPr>
-              <a:t>2024/5/30</a:t>
+              <a:t>2024/6/5</a:t>
             </a:fld>
             <a:endParaRPr kumimoji="0" lang="zh-CN" altLang="en-US" sz="1200" b="0" i="0" u="none" strike="noStrike" kern="1200" cap="none" spc="0" normalizeH="0" baseline="0" noProof="0">
               <a:ln>
@@ -7597,7 +7668,7 @@
                 <a:ea typeface="+mn-ea"/>
                 <a:cs typeface="+mn-cs"/>
               </a:rPr>
-              <a:t>2024/5/30</a:t>
+              <a:t>2024/6/5</a:t>
             </a:fld>
             <a:endParaRPr kumimoji="0" lang="zh-CN" altLang="en-US" sz="1200" b="0" i="0" u="none" strike="noStrike" kern="1200" cap="none" spc="0" normalizeH="0" baseline="0" noProof="0">
               <a:ln>
@@ -7952,7 +8023,7 @@
                 <a:ea typeface="+mn-ea"/>
                 <a:cs typeface="+mn-cs"/>
               </a:rPr>
-              <a:t>2024/5/30</a:t>
+              <a:t>2024/6/5</a:t>
             </a:fld>
             <a:endParaRPr kumimoji="0" lang="zh-CN" altLang="en-US" sz="1200" b="0" i="0" u="none" strike="noStrike" kern="1200" cap="none" spc="0" normalizeH="0" baseline="0" noProof="0">
               <a:ln>
@@ -8315,7 +8386,7 @@
                 <a:ea typeface="+mn-ea"/>
                 <a:cs typeface="+mn-cs"/>
               </a:rPr>
-              <a:t>2024/5/30</a:t>
+              <a:t>2024/6/5</a:t>
             </a:fld>
             <a:endParaRPr kumimoji="0" lang="zh-CN" altLang="en-US" sz="1200" b="0" i="0" u="none" strike="noStrike" kern="1200" cap="none" spc="0" normalizeH="0" baseline="0" noProof="0">
               <a:ln>
@@ -8563,7 +8634,7 @@
                 <a:ea typeface="+mn-ea"/>
                 <a:cs typeface="+mn-cs"/>
               </a:rPr>
-              <a:t>2024/5/30</a:t>
+              <a:t>2024/6/5</a:t>
             </a:fld>
             <a:endParaRPr kumimoji="0" lang="zh-CN" altLang="en-US" sz="1200" b="0" i="0" u="none" strike="noStrike" kern="1200" cap="none" spc="0" normalizeH="0" baseline="0" noProof="0">
               <a:ln>
@@ -8821,7 +8892,7 @@
                 <a:ea typeface="+mn-ea"/>
                 <a:cs typeface="+mn-cs"/>
               </a:rPr>
-              <a:t>2024/5/30</a:t>
+              <a:t>2024/6/5</a:t>
             </a:fld>
             <a:endParaRPr kumimoji="0" lang="zh-CN" altLang="en-US" sz="1200" b="0" i="0" u="none" strike="noStrike" kern="1200" cap="none" spc="0" normalizeH="0" baseline="0" noProof="0">
               <a:ln>
@@ -9142,7 +9213,7 @@
                 <a:ea typeface="+mn-ea"/>
                 <a:cs typeface="+mn-cs"/>
               </a:rPr>
-              <a:t>2024/5/30</a:t>
+              <a:t>2024/6/5</a:t>
             </a:fld>
             <a:endParaRPr kumimoji="0" lang="zh-CN" altLang="en-US" sz="1200" b="0" i="0" u="none" strike="noStrike" kern="1200" cap="none" spc="0" normalizeH="0" baseline="0" noProof="0">
               <a:ln>
@@ -9390,7 +9461,7 @@
                 <a:ea typeface="+mn-ea"/>
                 <a:cs typeface="+mn-cs"/>
               </a:rPr>
-              <a:t>2024/5/30</a:t>
+              <a:t>2024/6/5</a:t>
             </a:fld>
             <a:endParaRPr kumimoji="0" lang="zh-CN" altLang="en-US" sz="1200" b="0" i="0" u="none" strike="noStrike" kern="1200" cap="none" spc="0" normalizeH="0" baseline="0" noProof="0">
               <a:ln>
@@ -9715,7 +9786,7 @@
                 <a:ea typeface="+mn-ea"/>
                 <a:cs typeface="+mn-cs"/>
               </a:rPr>
-              <a:t>2024/5/30</a:t>
+              <a:t>2024/6/5</a:t>
             </a:fld>
             <a:endParaRPr kumimoji="0" lang="zh-CN" altLang="en-US" sz="1200" b="0" i="0" u="none" strike="noStrike" kern="1200" cap="none" spc="0" normalizeH="0" baseline="0" noProof="0">
               <a:ln>
@@ -10080,7 +10151,7 @@
                 <a:ea typeface="+mn-ea"/>
                 <a:cs typeface="+mn-cs"/>
               </a:rPr>
-              <a:t>2024/5/30</a:t>
+              <a:t>2024/6/5</a:t>
             </a:fld>
             <a:endParaRPr kumimoji="0" lang="zh-CN" altLang="en-US" sz="1200" b="0" i="0" u="none" strike="noStrike" kern="1200" cap="none" spc="0" normalizeH="0" baseline="0" noProof="0">
               <a:ln>
@@ -10579,7 +10650,7 @@
                 <a:ea typeface="+mn-ea"/>
                 <a:cs typeface="+mn-cs"/>
               </a:rPr>
-              <a:t>2024/5/30</a:t>
+              <a:t>2024/6/5</a:t>
             </a:fld>
             <a:endParaRPr kumimoji="0" lang="zh-CN" altLang="en-US" sz="1200" b="0" i="0" u="none" strike="noStrike" kern="1200" cap="none" spc="0" normalizeH="0" baseline="0" noProof="0">
               <a:ln>
@@ -10944,7 +11015,7 @@
                 <a:ea typeface="+mn-ea"/>
                 <a:cs typeface="+mn-cs"/>
               </a:rPr>
-              <a:t>2024/5/30</a:t>
+              <a:t>2024/6/5</a:t>
             </a:fld>
             <a:endParaRPr kumimoji="0" lang="zh-CN" altLang="en-US" sz="1200" b="0" i="0" u="none" strike="noStrike" kern="1200" cap="none" spc="0" normalizeH="0" baseline="0" noProof="0">
               <a:ln>
@@ -11141,7 +11212,7 @@
                 <a:ea typeface="+mn-ea"/>
                 <a:cs typeface="+mn-cs"/>
               </a:rPr>
-              <a:t>2024/5/30</a:t>
+              <a:t>2024/6/5</a:t>
             </a:fld>
             <a:endParaRPr kumimoji="0" lang="zh-CN" altLang="en-US" sz="1200" b="0" i="0" u="none" strike="noStrike" kern="1200" cap="none" spc="0" normalizeH="0" baseline="0" noProof="0">
               <a:ln>
@@ -11315,7 +11386,7 @@
                 <a:ea typeface="+mn-ea"/>
                 <a:cs typeface="+mn-cs"/>
               </a:rPr>
-              <a:t>2024/5/30</a:t>
+              <a:t>2024/6/5</a:t>
             </a:fld>
             <a:endParaRPr kumimoji="0" lang="zh-CN" altLang="en-US" sz="1200" b="0" i="0" u="none" strike="noStrike" kern="1200" cap="none" spc="0" normalizeH="0" baseline="0" noProof="0">
               <a:ln>
@@ -11670,7 +11741,7 @@
                 <a:ea typeface="+mn-ea"/>
                 <a:cs typeface="+mn-cs"/>
               </a:rPr>
-              <a:t>2024/5/30</a:t>
+              <a:t>2024/6/5</a:t>
             </a:fld>
             <a:endParaRPr kumimoji="0" lang="zh-CN" altLang="en-US" sz="1200" b="0" i="0" u="none" strike="noStrike" kern="1200" cap="none" spc="0" normalizeH="0" baseline="0" noProof="0">
               <a:ln>
@@ -12033,7 +12104,7 @@
                 <a:ea typeface="+mn-ea"/>
                 <a:cs typeface="+mn-cs"/>
               </a:rPr>
-              <a:t>2024/5/30</a:t>
+              <a:t>2024/6/5</a:t>
             </a:fld>
             <a:endParaRPr kumimoji="0" lang="zh-CN" altLang="en-US" sz="1200" b="0" i="0" u="none" strike="noStrike" kern="1200" cap="none" spc="0" normalizeH="0" baseline="0" noProof="0">
               <a:ln>
@@ -12281,7 +12352,7 @@
                 <a:ea typeface="+mn-ea"/>
                 <a:cs typeface="+mn-cs"/>
               </a:rPr>
-              <a:t>2024/5/30</a:t>
+              <a:t>2024/6/5</a:t>
             </a:fld>
             <a:endParaRPr kumimoji="0" lang="zh-CN" altLang="en-US" sz="1200" b="0" i="0" u="none" strike="noStrike" kern="1200" cap="none" spc="0" normalizeH="0" baseline="0" noProof="0">
               <a:ln>
@@ -12539,7 +12610,7 @@
                 <a:ea typeface="+mn-ea"/>
                 <a:cs typeface="+mn-cs"/>
               </a:rPr>
-              <a:t>2024/5/30</a:t>
+              <a:t>2024/6/5</a:t>
             </a:fld>
             <a:endParaRPr kumimoji="0" lang="zh-CN" altLang="en-US" sz="1200" b="0" i="0" u="none" strike="noStrike" kern="1200" cap="none" spc="0" normalizeH="0" baseline="0" noProof="0">
               <a:ln>
@@ -12756,7 +12827,7 @@
                 <a:ea typeface="+mn-ea"/>
                 <a:cs typeface="+mn-cs"/>
               </a:rPr>
-              <a:t>2024/5/30</a:t>
+              <a:t>2024/6/5</a:t>
             </a:fld>
             <a:endParaRPr kumimoji="0" lang="zh-CN" altLang="en-US" sz="1200" b="0" i="0" u="none" strike="noStrike" kern="1200" cap="none" spc="0" normalizeH="0" baseline="0" noProof="0">
               <a:ln>
@@ -13077,7 +13148,7 @@
                 <a:ea typeface="+mn-ea"/>
                 <a:cs typeface="+mn-cs"/>
               </a:rPr>
-              <a:t>2024/5/30</a:t>
+              <a:t>2024/6/5</a:t>
             </a:fld>
             <a:endParaRPr kumimoji="0" lang="zh-CN" altLang="en-US" sz="1200" b="0" i="0" u="none" strike="noStrike" kern="1200" cap="none" spc="0" normalizeH="0" baseline="0" noProof="0">
               <a:ln>
@@ -13325,7 +13396,7 @@
                 <a:ea typeface="+mn-ea"/>
                 <a:cs typeface="+mn-cs"/>
               </a:rPr>
-              <a:t>2024/5/30</a:t>
+              <a:t>2024/6/5</a:t>
             </a:fld>
             <a:endParaRPr kumimoji="0" lang="zh-CN" altLang="en-US" sz="1200" b="0" i="0" u="none" strike="noStrike" kern="1200" cap="none" spc="0" normalizeH="0" baseline="0" noProof="0">
               <a:ln>
@@ -13650,7 +13721,7 @@
                 <a:ea typeface="+mn-ea"/>
                 <a:cs typeface="+mn-cs"/>
               </a:rPr>
-              <a:t>2024/5/30</a:t>
+              <a:t>2024/6/5</a:t>
             </a:fld>
             <a:endParaRPr kumimoji="0" lang="zh-CN" altLang="en-US" sz="1200" b="0" i="0" u="none" strike="noStrike" kern="1200" cap="none" spc="0" normalizeH="0" baseline="0" noProof="0">
               <a:ln>
@@ -14149,7 +14220,7 @@
                 <a:ea typeface="+mn-ea"/>
                 <a:cs typeface="+mn-cs"/>
               </a:rPr>
-              <a:t>2024/5/30</a:t>
+              <a:t>2024/6/5</a:t>
             </a:fld>
             <a:endParaRPr kumimoji="0" lang="zh-CN" altLang="en-US" sz="1200" b="0" i="0" u="none" strike="noStrike" kern="1200" cap="none" spc="0" normalizeH="0" baseline="0" noProof="0">
               <a:ln>
@@ -14514,7 +14585,7 @@
                 <a:ea typeface="+mn-ea"/>
                 <a:cs typeface="+mn-cs"/>
               </a:rPr>
-              <a:t>2024/5/30</a:t>
+              <a:t>2024/6/5</a:t>
             </a:fld>
             <a:endParaRPr kumimoji="0" lang="zh-CN" altLang="en-US" sz="1200" b="0" i="0" u="none" strike="noStrike" kern="1200" cap="none" spc="0" normalizeH="0" baseline="0" noProof="0">
               <a:ln>
@@ -15013,7 +15084,7 @@
                 <a:ea typeface="+mn-ea"/>
                 <a:cs typeface="+mn-cs"/>
               </a:rPr>
-              <a:t>2024/5/30</a:t>
+              <a:t>2024/6/5</a:t>
             </a:fld>
             <a:endParaRPr kumimoji="0" lang="zh-CN" altLang="en-US" sz="1200" b="0" i="0" u="none" strike="noStrike" kern="1200" cap="none" spc="0" normalizeH="0" baseline="0" noProof="0">
               <a:ln>
@@ -15210,7 +15281,7 @@
                 <a:ea typeface="+mn-ea"/>
                 <a:cs typeface="+mn-cs"/>
               </a:rPr>
-              <a:t>2024/5/30</a:t>
+              <a:t>2024/6/5</a:t>
             </a:fld>
             <a:endParaRPr kumimoji="0" lang="zh-CN" altLang="en-US" sz="1200" b="0" i="0" u="none" strike="noStrike" kern="1200" cap="none" spc="0" normalizeH="0" baseline="0" noProof="0">
               <a:ln>
@@ -15384,7 +15455,7 @@
                 <a:ea typeface="+mn-ea"/>
                 <a:cs typeface="+mn-cs"/>
               </a:rPr>
-              <a:t>2024/5/30</a:t>
+              <a:t>2024/6/5</a:t>
             </a:fld>
             <a:endParaRPr kumimoji="0" lang="zh-CN" altLang="en-US" sz="1200" b="0" i="0" u="none" strike="noStrike" kern="1200" cap="none" spc="0" normalizeH="0" baseline="0" noProof="0">
               <a:ln>
@@ -15739,7 +15810,7 @@
                 <a:ea typeface="+mn-ea"/>
                 <a:cs typeface="+mn-cs"/>
               </a:rPr>
-              <a:t>2024/5/30</a:t>
+              <a:t>2024/6/5</a:t>
             </a:fld>
             <a:endParaRPr kumimoji="0" lang="zh-CN" altLang="en-US" sz="1200" b="0" i="0" u="none" strike="noStrike" kern="1200" cap="none" spc="0" normalizeH="0" baseline="0" noProof="0">
               <a:ln>
@@ -16102,7 +16173,7 @@
                 <a:ea typeface="+mn-ea"/>
                 <a:cs typeface="+mn-cs"/>
               </a:rPr>
-              <a:t>2024/5/30</a:t>
+              <a:t>2024/6/5</a:t>
             </a:fld>
             <a:endParaRPr kumimoji="0" lang="zh-CN" altLang="en-US" sz="1200" b="0" i="0" u="none" strike="noStrike" kern="1200" cap="none" spc="0" normalizeH="0" baseline="0" noProof="0">
               <a:ln>
@@ -16350,7 +16421,7 @@
                 <a:ea typeface="+mn-ea"/>
                 <a:cs typeface="+mn-cs"/>
               </a:rPr>
-              <a:t>2024/5/30</a:t>
+              <a:t>2024/6/5</a:t>
             </a:fld>
             <a:endParaRPr kumimoji="0" lang="zh-CN" altLang="en-US" sz="1200" b="0" i="0" u="none" strike="noStrike" kern="1200" cap="none" spc="0" normalizeH="0" baseline="0" noProof="0">
               <a:ln>
@@ -16608,7 +16679,7 @@
                 <a:ea typeface="+mn-ea"/>
                 <a:cs typeface="+mn-cs"/>
               </a:rPr>
-              <a:t>2024/5/30</a:t>
+              <a:t>2024/6/5</a:t>
             </a:fld>
             <a:endParaRPr kumimoji="0" lang="zh-CN" altLang="en-US" sz="1200" b="0" i="0" u="none" strike="noStrike" kern="1200" cap="none" spc="0" normalizeH="0" baseline="0" noProof="0">
               <a:ln>
@@ -16825,7 +16896,7 @@
                 <a:ea typeface="+mn-ea"/>
                 <a:cs typeface="+mn-cs"/>
               </a:rPr>
-              <a:t>2024/5/30</a:t>
+              <a:t>2024/6/5</a:t>
             </a:fld>
             <a:endParaRPr kumimoji="0" lang="zh-CN" altLang="en-US" sz="1200" b="0" i="0" u="none" strike="noStrike" kern="1200" cap="none" spc="0" normalizeH="0" baseline="0" noProof="0">
               <a:ln>
@@ -17146,7 +17217,7 @@
                 <a:ea typeface="+mn-ea"/>
                 <a:cs typeface="+mn-cs"/>
               </a:rPr>
-              <a:t>2024/5/30</a:t>
+              <a:t>2024/6/5</a:t>
             </a:fld>
             <a:endParaRPr kumimoji="0" lang="zh-CN" altLang="en-US" sz="1200" b="0" i="0" u="none" strike="noStrike" kern="1200" cap="none" spc="0" normalizeH="0" baseline="0" noProof="0">
               <a:ln>
@@ -17343,7 +17414,7 @@
                 <a:ea typeface="+mn-ea"/>
                 <a:cs typeface="+mn-cs"/>
               </a:rPr>
-              <a:t>2024/5/30</a:t>
+              <a:t>2024/6/5</a:t>
             </a:fld>
             <a:endParaRPr kumimoji="0" lang="zh-CN" altLang="en-US" sz="1200" b="0" i="0" u="none" strike="noStrike" kern="1200" cap="none" spc="0" normalizeH="0" baseline="0" noProof="0">
               <a:ln>
@@ -17591,7 +17662,7 @@
                 <a:ea typeface="+mn-ea"/>
                 <a:cs typeface="+mn-cs"/>
               </a:rPr>
-              <a:t>2024/5/30</a:t>
+              <a:t>2024/6/5</a:t>
             </a:fld>
             <a:endParaRPr kumimoji="0" lang="zh-CN" altLang="en-US" sz="1200" b="0" i="0" u="none" strike="noStrike" kern="1200" cap="none" spc="0" normalizeH="0" baseline="0" noProof="0">
               <a:ln>
@@ -17916,7 +17987,7 @@
                 <a:ea typeface="+mn-ea"/>
                 <a:cs typeface="+mn-cs"/>
               </a:rPr>
-              <a:t>2024/5/30</a:t>
+              <a:t>2024/6/5</a:t>
             </a:fld>
             <a:endParaRPr kumimoji="0" lang="zh-CN" altLang="en-US" sz="1200" b="0" i="0" u="none" strike="noStrike" kern="1200" cap="none" spc="0" normalizeH="0" baseline="0" noProof="0">
               <a:ln>
@@ -18281,7 +18352,7 @@
                 <a:ea typeface="+mn-ea"/>
                 <a:cs typeface="+mn-cs"/>
               </a:rPr>
-              <a:t>2024/5/30</a:t>
+              <a:t>2024/6/5</a:t>
             </a:fld>
             <a:endParaRPr kumimoji="0" lang="zh-CN" altLang="en-US" sz="1200" b="0" i="0" u="none" strike="noStrike" kern="1200" cap="none" spc="0" normalizeH="0" baseline="0" noProof="0">
               <a:ln>
@@ -18780,7 +18851,7 @@
                 <a:ea typeface="+mn-ea"/>
                 <a:cs typeface="+mn-cs"/>
               </a:rPr>
-              <a:t>2024/5/30</a:t>
+              <a:t>2024/6/5</a:t>
             </a:fld>
             <a:endParaRPr kumimoji="0" lang="zh-CN" altLang="en-US" sz="1200" b="0" i="0" u="none" strike="noStrike" kern="1200" cap="none" spc="0" normalizeH="0" baseline="0" noProof="0">
               <a:ln>
@@ -18977,7 +19048,7 @@
                 <a:ea typeface="+mn-ea"/>
                 <a:cs typeface="+mn-cs"/>
               </a:rPr>
-              <a:t>2024/5/30</a:t>
+              <a:t>2024/6/5</a:t>
             </a:fld>
             <a:endParaRPr kumimoji="0" lang="zh-CN" altLang="en-US" sz="1200" b="0" i="0" u="none" strike="noStrike" kern="1200" cap="none" spc="0" normalizeH="0" baseline="0" noProof="0">
               <a:ln>
@@ -19151,7 +19222,7 @@
                 <a:ea typeface="+mn-ea"/>
                 <a:cs typeface="+mn-cs"/>
               </a:rPr>
-              <a:t>2024/5/30</a:t>
+              <a:t>2024/6/5</a:t>
             </a:fld>
             <a:endParaRPr kumimoji="0" lang="zh-CN" altLang="en-US" sz="1200" b="0" i="0" u="none" strike="noStrike" kern="1200" cap="none" spc="0" normalizeH="0" baseline="0" noProof="0">
               <a:ln>
@@ -19506,7 +19577,7 @@
                 <a:ea typeface="+mn-ea"/>
                 <a:cs typeface="+mn-cs"/>
               </a:rPr>
-              <a:t>2024/5/30</a:t>
+              <a:t>2024/6/5</a:t>
             </a:fld>
             <a:endParaRPr kumimoji="0" lang="zh-CN" altLang="en-US" sz="1200" b="0" i="0" u="none" strike="noStrike" kern="1200" cap="none" spc="0" normalizeH="0" baseline="0" noProof="0">
               <a:ln>
@@ -19869,7 +19940,7 @@
                 <a:ea typeface="+mn-ea"/>
                 <a:cs typeface="+mn-cs"/>
               </a:rPr>
-              <a:t>2024/5/30</a:t>
+              <a:t>2024/6/5</a:t>
             </a:fld>
             <a:endParaRPr kumimoji="0" lang="zh-CN" altLang="en-US" sz="1200" b="0" i="0" u="none" strike="noStrike" kern="1200" cap="none" spc="0" normalizeH="0" baseline="0" noProof="0">
               <a:ln>
@@ -20117,7 +20188,7 @@
                 <a:ea typeface="+mn-ea"/>
                 <a:cs typeface="+mn-cs"/>
               </a:rPr>
-              <a:t>2024/5/30</a:t>
+              <a:t>2024/6/5</a:t>
             </a:fld>
             <a:endParaRPr kumimoji="0" lang="zh-CN" altLang="en-US" sz="1200" b="0" i="0" u="none" strike="noStrike" kern="1200" cap="none" spc="0" normalizeH="0" baseline="0" noProof="0">
               <a:ln>
@@ -20375,7 +20446,7 @@
                 <a:ea typeface="+mn-ea"/>
                 <a:cs typeface="+mn-cs"/>
               </a:rPr>
-              <a:t>2024/5/30</a:t>
+              <a:t>2024/6/5</a:t>
             </a:fld>
             <a:endParaRPr kumimoji="0" lang="zh-CN" altLang="en-US" sz="1200" b="0" i="0" u="none" strike="noStrike" kern="1200" cap="none" spc="0" normalizeH="0" baseline="0" noProof="0">
               <a:ln>
@@ -20549,7 +20620,7 @@
                 <a:ea typeface="+mn-ea"/>
                 <a:cs typeface="+mn-cs"/>
               </a:rPr>
-              <a:t>2024/5/30</a:t>
+              <a:t>2024/6/5</a:t>
             </a:fld>
             <a:endParaRPr kumimoji="0" lang="zh-CN" altLang="en-US" sz="1200" b="0" i="0" u="none" strike="noStrike" kern="1200" cap="none" spc="0" normalizeH="0" baseline="0" noProof="0">
               <a:ln>
@@ -20766,7 +20837,7 @@
                 <a:ea typeface="+mn-ea"/>
                 <a:cs typeface="+mn-cs"/>
               </a:rPr>
-              <a:t>2024/5/30</a:t>
+              <a:t>2024/6/5</a:t>
             </a:fld>
             <a:endParaRPr kumimoji="0" lang="zh-CN" altLang="en-US" sz="1200" b="0" i="0" u="none" strike="noStrike" kern="1200" cap="none" spc="0" normalizeH="0" baseline="0" noProof="0">
               <a:ln>
@@ -21087,7 +21158,7 @@
                 <a:ea typeface="+mn-ea"/>
                 <a:cs typeface="+mn-cs"/>
               </a:rPr>
-              <a:t>2024/5/30</a:t>
+              <a:t>2024/6/5</a:t>
             </a:fld>
             <a:endParaRPr kumimoji="0" lang="zh-CN" altLang="en-US" sz="1200" b="0" i="0" u="none" strike="noStrike" kern="1200" cap="none" spc="0" normalizeH="0" baseline="0" noProof="0">
               <a:ln>
@@ -21335,7 +21406,7 @@
                 <a:ea typeface="+mn-ea"/>
                 <a:cs typeface="+mn-cs"/>
               </a:rPr>
-              <a:t>2024/5/30</a:t>
+              <a:t>2024/6/5</a:t>
             </a:fld>
             <a:endParaRPr kumimoji="0" lang="zh-CN" altLang="en-US" sz="1200" b="0" i="0" u="none" strike="noStrike" kern="1200" cap="none" spc="0" normalizeH="0" baseline="0" noProof="0">
               <a:ln>
@@ -21660,7 +21731,7 @@
                 <a:ea typeface="+mn-ea"/>
                 <a:cs typeface="+mn-cs"/>
               </a:rPr>
-              <a:t>2024/5/30</a:t>
+              <a:t>2024/6/5</a:t>
             </a:fld>
             <a:endParaRPr kumimoji="0" lang="zh-CN" altLang="en-US" sz="1200" b="0" i="0" u="none" strike="noStrike" kern="1200" cap="none" spc="0" normalizeH="0" baseline="0" noProof="0">
               <a:ln>
@@ -22025,7 +22096,7 @@
                 <a:ea typeface="+mn-ea"/>
                 <a:cs typeface="+mn-cs"/>
               </a:rPr>
-              <a:t>2024/5/30</a:t>
+              <a:t>2024/6/5</a:t>
             </a:fld>
             <a:endParaRPr kumimoji="0" lang="zh-CN" altLang="en-US" sz="1200" b="0" i="0" u="none" strike="noStrike" kern="1200" cap="none" spc="0" normalizeH="0" baseline="0" noProof="0">
               <a:ln>
@@ -22524,7 +22595,7 @@
                 <a:ea typeface="+mn-ea"/>
                 <a:cs typeface="+mn-cs"/>
               </a:rPr>
-              <a:t>2024/5/30</a:t>
+              <a:t>2024/6/5</a:t>
             </a:fld>
             <a:endParaRPr kumimoji="0" lang="zh-CN" altLang="en-US" sz="1200" b="0" i="0" u="none" strike="noStrike" kern="1200" cap="none" spc="0" normalizeH="0" baseline="0" noProof="0">
               <a:ln>
@@ -22721,7 +22792,7 @@
                 <a:ea typeface="+mn-ea"/>
                 <a:cs typeface="+mn-cs"/>
               </a:rPr>
-              <a:t>2024/5/30</a:t>
+              <a:t>2024/6/5</a:t>
             </a:fld>
             <a:endParaRPr kumimoji="0" lang="zh-CN" altLang="en-US" sz="1200" b="0" i="0" u="none" strike="noStrike" kern="1200" cap="none" spc="0" normalizeH="0" baseline="0" noProof="0">
               <a:ln>
@@ -22895,7 +22966,7 @@
                 <a:ea typeface="+mn-ea"/>
                 <a:cs typeface="+mn-cs"/>
               </a:rPr>
-              <a:t>2024/5/30</a:t>
+              <a:t>2024/6/5</a:t>
             </a:fld>
             <a:endParaRPr kumimoji="0" lang="zh-CN" altLang="en-US" sz="1200" b="0" i="0" u="none" strike="noStrike" kern="1200" cap="none" spc="0" normalizeH="0" baseline="0" noProof="0">
               <a:ln>
@@ -23250,7 +23321,7 @@
                 <a:ea typeface="+mn-ea"/>
                 <a:cs typeface="+mn-cs"/>
               </a:rPr>
-              <a:t>2024/5/30</a:t>
+              <a:t>2024/6/5</a:t>
             </a:fld>
             <a:endParaRPr kumimoji="0" lang="zh-CN" altLang="en-US" sz="1200" b="0" i="0" u="none" strike="noStrike" kern="1200" cap="none" spc="0" normalizeH="0" baseline="0" noProof="0">
               <a:ln>
@@ -23613,7 +23684,7 @@
                 <a:ea typeface="+mn-ea"/>
                 <a:cs typeface="+mn-cs"/>
               </a:rPr>
-              <a:t>2024/5/30</a:t>
+              <a:t>2024/6/5</a:t>
             </a:fld>
             <a:endParaRPr kumimoji="0" lang="zh-CN" altLang="en-US" sz="1200" b="0" i="0" u="none" strike="noStrike" kern="1200" cap="none" spc="0" normalizeH="0" baseline="0" noProof="0">
               <a:ln>
@@ -23968,7 +24039,7 @@
                 <a:ea typeface="+mn-ea"/>
                 <a:cs typeface="+mn-cs"/>
               </a:rPr>
-              <a:t>2024/5/30</a:t>
+              <a:t>2024/6/5</a:t>
             </a:fld>
             <a:endParaRPr kumimoji="0" lang="zh-CN" altLang="en-US" sz="1200" b="0" i="0" u="none" strike="noStrike" kern="1200" cap="none" spc="0" normalizeH="0" baseline="0" noProof="0">
               <a:ln>
@@ -24216,7 +24287,7 @@
                 <a:ea typeface="+mn-ea"/>
                 <a:cs typeface="+mn-cs"/>
               </a:rPr>
-              <a:t>2024/5/30</a:t>
+              <a:t>2024/6/5</a:t>
             </a:fld>
             <a:endParaRPr kumimoji="0" lang="zh-CN" altLang="en-US" sz="1200" b="0" i="0" u="none" strike="noStrike" kern="1200" cap="none" spc="0" normalizeH="0" baseline="0" noProof="0">
               <a:ln>
@@ -24474,7 +24545,7 @@
                 <a:ea typeface="+mn-ea"/>
                 <a:cs typeface="+mn-cs"/>
               </a:rPr>
-              <a:t>2024/5/30</a:t>
+              <a:t>2024/6/5</a:t>
             </a:fld>
             <a:endParaRPr kumimoji="0" lang="zh-CN" altLang="en-US" sz="1200" b="0" i="0" u="none" strike="noStrike" kern="1200" cap="none" spc="0" normalizeH="0" baseline="0" noProof="0">
               <a:ln>
@@ -24691,7 +24762,7 @@
                 <a:ea typeface="+mn-ea"/>
                 <a:cs typeface="+mn-cs"/>
               </a:rPr>
-              <a:t>2024/5/30</a:t>
+              <a:t>2024/6/5</a:t>
             </a:fld>
             <a:endParaRPr kumimoji="0" lang="zh-CN" altLang="en-US" sz="1200" b="0" i="0" u="none" strike="noStrike" kern="1200" cap="none" spc="0" normalizeH="0" baseline="0" noProof="0">
               <a:ln>
@@ -25054,7 +25125,7 @@
                 <a:ea typeface="+mn-ea"/>
                 <a:cs typeface="+mn-cs"/>
               </a:rPr>
-              <a:t>2024/5/30</a:t>
+              <a:t>2024/6/5</a:t>
             </a:fld>
             <a:endParaRPr kumimoji="0" lang="zh-CN" altLang="en-US" sz="1200" b="0" i="0" u="none" strike="noStrike" kern="1200" cap="none" spc="0" normalizeH="0" baseline="0" noProof="0">
               <a:ln>
@@ -25349,7 +25420,7 @@
                 <a:ea typeface="+mn-ea"/>
                 <a:cs typeface="+mn-cs"/>
               </a:rPr>
-              <a:t>2024/5/30</a:t>
+              <a:t>2024/6/5</a:t>
             </a:fld>
             <a:endParaRPr kumimoji="0" lang="zh-CN" altLang="en-US" sz="1200" b="0" i="0" u="none" strike="noStrike" kern="1200" cap="none" spc="0" normalizeH="0" baseline="0" noProof="0">
               <a:ln>
@@ -25969,7 +26040,7 @@
                 <a:ea typeface="+mn-ea"/>
                 <a:cs typeface="+mn-cs"/>
               </a:rPr>
-              <a:t>2024/5/30</a:t>
+              <a:t>2024/6/5</a:t>
             </a:fld>
             <a:endParaRPr kumimoji="0" lang="zh-CN" altLang="en-US" sz="1200" b="0" i="0" u="none" strike="noStrike" kern="1200" cap="none" spc="0" normalizeH="0" baseline="0" noProof="0">
               <a:ln>
@@ -26560,7 +26631,7 @@
                 <a:ea typeface="+mn-ea"/>
                 <a:cs typeface="+mn-cs"/>
               </a:rPr>
-              <a:t>2024/5/30</a:t>
+              <a:t>2024/6/5</a:t>
             </a:fld>
             <a:endParaRPr kumimoji="0" lang="zh-CN" altLang="en-US" sz="1200" b="0" i="0" u="none" strike="noStrike" kern="1200" cap="none" spc="0" normalizeH="0" baseline="0" noProof="0">
               <a:ln>
@@ -27151,7 +27222,7 @@
                 <a:ea typeface="+mn-ea"/>
                 <a:cs typeface="+mn-cs"/>
               </a:rPr>
-              <a:t>2024/5/30</a:t>
+              <a:t>2024/6/5</a:t>
             </a:fld>
             <a:endParaRPr kumimoji="0" lang="zh-CN" altLang="en-US" sz="1200" b="0" i="0" u="none" strike="noStrike" kern="1200" cap="none" spc="0" normalizeH="0" baseline="0" noProof="0">
               <a:ln>
@@ -27771,7 +27842,7 @@
                 <a:ea typeface="+mn-ea"/>
                 <a:cs typeface="+mn-cs"/>
               </a:rPr>
-              <a:t>2024/5/30</a:t>
+              <a:t>2024/6/5</a:t>
             </a:fld>
             <a:endParaRPr kumimoji="0" lang="zh-CN" altLang="en-US" sz="1200" b="0" i="0" u="none" strike="noStrike" kern="1200" cap="none" spc="0" normalizeH="0" baseline="0" noProof="0">
               <a:ln>
@@ -28391,7 +28462,7 @@
                 <a:ea typeface="+mn-ea"/>
                 <a:cs typeface="+mn-cs"/>
               </a:rPr>
-              <a:t>2024/5/30</a:t>
+              <a:t>2024/6/5</a:t>
             </a:fld>
             <a:endParaRPr kumimoji="0" lang="zh-CN" altLang="en-US" sz="1200" b="0" i="0" u="none" strike="noStrike" kern="1200" cap="none" spc="0" normalizeH="0" baseline="0" noProof="0">
               <a:ln>
@@ -29011,7 +29082,7 @@
                 <a:ea typeface="+mn-ea"/>
                 <a:cs typeface="+mn-cs"/>
               </a:rPr>
-              <a:t>2024/5/30</a:t>
+              <a:t>2024/6/5</a:t>
             </a:fld>
             <a:endParaRPr kumimoji="0" lang="zh-CN" altLang="en-US" sz="1200" b="0" i="0" u="none" strike="noStrike" kern="1200" cap="none" spc="0" normalizeH="0" baseline="0" noProof="0">
               <a:ln>
@@ -29698,16 +29769,7 @@
                 <a:cs typeface="黑体" panose="02010609060101010101" pitchFamily="2" charset="-122"/>
                 <a:sym typeface="+mn-ea"/>
               </a:rPr>
-              <a:t>公司软件项目风险管理</a:t>
-            </a:r>
-            <a:r>
-              <a:rPr lang="zh-CN" altLang="en-US" sz="2800" b="1" dirty="0">
-                <a:latin typeface="黑体" panose="02010609060101010101" pitchFamily="2" charset="-122"/>
-                <a:ea typeface="黑体" panose="02010609060101010101" pitchFamily="2" charset="-122"/>
-                <a:cs typeface="黑体" panose="02010609060101010101" pitchFamily="2" charset="-122"/>
-                <a:sym typeface="+mn-ea"/>
-              </a:rPr>
-              <a:t>研究</a:t>
+              <a:t>公司软件项目风险管理研究</a:t>
             </a:r>
             <a:r>
               <a:rPr lang="zh-CN" altLang="en-US" dirty="0">
@@ -35634,14 +35696,14 @@
               </a:lnSpc>
             </a:pPr>
             <a:r>
-              <a:rPr lang="en-US" altLang="zh-CN" b="1">
+              <a:rPr lang="en-US" altLang="zh-CN" b="1" dirty="0">
                 <a:latin typeface="黑体" panose="02010609060101010101" pitchFamily="2" charset="-122"/>
                 <a:ea typeface="黑体" panose="02010609060101010101" pitchFamily="2" charset="-122"/>
               </a:rPr>
               <a:t>1.1 </a:t>
             </a:r>
             <a:r>
-              <a:rPr lang="zh-CN" altLang="en-US" b="1">
+              <a:rPr lang="zh-CN" altLang="en-US" b="1" dirty="0">
                 <a:latin typeface="黑体" panose="02010609060101010101" pitchFamily="2" charset="-122"/>
                 <a:ea typeface="黑体" panose="02010609060101010101" pitchFamily="2" charset="-122"/>
               </a:rPr>
@@ -35655,7 +35717,7 @@
               </a:lnSpc>
             </a:pPr>
             <a:r>
-              <a:rPr lang="zh-CN" altLang="en-US" b="1">
+              <a:rPr lang="zh-CN" altLang="en-US" b="1" dirty="0">
                 <a:latin typeface="黑体" panose="02010609060101010101" pitchFamily="2" charset="-122"/>
                 <a:ea typeface="黑体" panose="02010609060101010101" pitchFamily="2" charset="-122"/>
               </a:rPr>
@@ -35733,7 +35795,7 @@
                 <a:ea typeface="黑体" panose="02010609060101010101" pitchFamily="2" charset="-122"/>
                 <a:sym typeface="思源黑体" pitchFamily="34" charset="-122"/>
               </a:rPr>
-              <a:t>软件行业在生活中的应用越来越广</a:t>
+              <a:t>软件在生活中的广泛应用</a:t>
             </a:r>
           </a:p>
         </p:txBody>
@@ -35746,7 +35808,7 @@
         </p:nvSpPr>
         <p:spPr>
           <a:xfrm>
-            <a:off x="1229995" y="3141345"/>
+            <a:off x="1330957" y="2768822"/>
             <a:ext cx="5638165" cy="368300"/>
           </a:xfrm>
           <a:prstGeom prst="rect">
@@ -35769,29 +35831,8 @@
                 <a:ea typeface="黑体" panose="02010609060101010101" pitchFamily="2" charset="-122"/>
                 <a:sym typeface="思源黑体" pitchFamily="34" charset="-122"/>
               </a:rPr>
-              <a:t>双减之后</a:t>
-            </a:r>
-            <a:r>
-              <a:rPr lang="en-US" altLang="zh-CN" b="1" dirty="0">
-                <a:latin typeface="黑体" panose="02010609060101010101" pitchFamily="2" charset="-122"/>
-                <a:ea typeface="黑体" panose="02010609060101010101" pitchFamily="2" charset="-122"/>
-                <a:sym typeface="思源黑体" pitchFamily="34" charset="-122"/>
-              </a:rPr>
-              <a:t>B</a:t>
-            </a:r>
-            <a:r>
-              <a:rPr lang="zh-CN" altLang="en-US" b="1" dirty="0">
-                <a:latin typeface="黑体" panose="02010609060101010101" pitchFamily="2" charset="-122"/>
-                <a:ea typeface="黑体" panose="02010609060101010101" pitchFamily="2" charset="-122"/>
-                <a:sym typeface="思源黑体" pitchFamily="34" charset="-122"/>
-              </a:rPr>
-              <a:t>公司软件项目风险</a:t>
-            </a:r>
-            <a:endParaRPr lang="zh-CN" altLang="en-US" sz="1800" b="1" dirty="0">
-              <a:latin typeface="思源黑体" pitchFamily="34" charset="-122"/>
-              <a:ea typeface="思源黑体" pitchFamily="34" charset="-122"/>
-              <a:sym typeface="思源黑体" pitchFamily="34" charset="-122"/>
-            </a:endParaRPr>
+              <a:t>快速迭代下项目管理的挑战</a:t>
+            </a:r>
           </a:p>
         </p:txBody>
       </p:sp>
@@ -35803,7 +35844,7 @@
         </p:nvSpPr>
         <p:spPr>
           <a:xfrm>
-            <a:off x="779145" y="4680585"/>
+            <a:off x="1330956" y="4512620"/>
             <a:ext cx="7869555" cy="633730"/>
           </a:xfrm>
           <a:prstGeom prst="rect">
@@ -35827,14 +35868,17 @@
               </a:spcBef>
               <a:buFont typeface="Arial" panose="020B0604020202020204" pitchFamily="34" charset="0"/>
             </a:pPr>
-            <a:endParaRPr lang="zh-CN" altLang="en-US" sz="1600" dirty="0">
-              <a:solidFill>
-                <a:srgbClr val="000000"/>
-              </a:solidFill>
-              <a:latin typeface="宋体" panose="02010600030101010101" pitchFamily="2" charset="-122"/>
-              <a:cs typeface="宋体" panose="02010600030101010101" pitchFamily="2" charset="-122"/>
-              <a:sym typeface="思源黑体" pitchFamily="34" charset="-122"/>
-            </a:endParaRPr>
+            <a:r>
+              <a:rPr lang="zh-CN" altLang="en-US" sz="1600" dirty="0">
+                <a:solidFill>
+                  <a:srgbClr val="000000"/>
+                </a:solidFill>
+                <a:latin typeface="宋体" panose="02010600030101010101" pitchFamily="2" charset="-122"/>
+                <a:cs typeface="宋体" panose="02010600030101010101" pitchFamily="2" charset="-122"/>
+                <a:sym typeface="思源黑体" pitchFamily="34" charset="-122"/>
+              </a:rPr>
+              <a:t>增速放缓、需求多样化、个性化</a:t>
+            </a:r>
           </a:p>
         </p:txBody>
       </p:sp>
@@ -35904,7 +35948,7 @@
         </p:nvSpPr>
         <p:spPr>
           <a:xfrm>
-            <a:off x="755333" y="3141713"/>
+            <a:off x="764858" y="2773362"/>
             <a:ext cx="400254" cy="367606"/>
           </a:xfrm>
           <a:prstGeom prst="rect">
@@ -35969,8 +36013,8 @@
         </p:nvSpPr>
         <p:spPr>
           <a:xfrm>
-            <a:off x="1331640" y="3890182"/>
-            <a:ext cx="1569660" cy="1477328"/>
+            <a:off x="1344194" y="3239772"/>
+            <a:ext cx="2023311" cy="369332"/>
           </a:xfrm>
           <a:prstGeom prst="rect">
             <a:avLst/>
@@ -35985,26 +36029,21 @@
           <a:p>
             <a:r>
               <a:rPr lang="en-CN" dirty="0"/>
-              <a:t>人员骤减</a:t>
-            </a:r>
-          </a:p>
-          <a:p>
+              <a:t>人员</a:t>
+            </a:r>
+            <a:r>
+              <a:rPr lang="zh-CN" altLang="en-US" dirty="0"/>
+              <a:t>、</a:t>
+            </a:r>
+            <a:r>
+              <a:rPr lang="zh-CN" altLang="en-CN" dirty="0"/>
+              <a:t>技术</a:t>
+            </a:r>
+            <a:r>
+              <a:rPr lang="zh-CN" altLang="en-US" dirty="0"/>
+              <a:t>、业务</a:t>
+            </a:r>
             <a:endParaRPr lang="en-CN" dirty="0"/>
-          </a:p>
-          <a:p>
-            <a:r>
-              <a:rPr lang="en-CN" dirty="0"/>
-              <a:t>新技术的出现</a:t>
-            </a:r>
-          </a:p>
-          <a:p>
-            <a:endParaRPr lang="en-CN" dirty="0"/>
-          </a:p>
-          <a:p>
-            <a:r>
-              <a:rPr lang="en-CN" dirty="0"/>
-              <a:t>挑战更大</a:t>
-            </a:r>
           </a:p>
         </p:txBody>
       </p:sp>
@@ -36045,6 +36084,121 @@
               <a:t>，都离不开软件</a:t>
             </a:r>
             <a:endParaRPr lang="en-CN" dirty="0"/>
+          </a:p>
+        </p:txBody>
+      </p:sp>
+      <p:sp>
+        <p:nvSpPr>
+          <p:cNvPr id="6" name="Shape 22">
+            <a:extLst>
+              <a:ext uri="{FF2B5EF4-FFF2-40B4-BE49-F238E27FC236}">
+                <a16:creationId xmlns:a16="http://schemas.microsoft.com/office/drawing/2014/main" id="{BFE269C4-3E70-569B-A592-F4BCF79CBB19}"/>
+              </a:ext>
+            </a:extLst>
+          </p:cNvPr>
+          <p:cNvSpPr/>
+          <p:nvPr>
+            <p:custDataLst>
+              <p:tags r:id="rId3"/>
+            </p:custDataLst>
+          </p:nvPr>
+        </p:nvSpPr>
+        <p:spPr>
+          <a:xfrm>
+            <a:off x="755333" y="4109831"/>
+            <a:ext cx="400254" cy="367606"/>
+          </a:xfrm>
+          <a:prstGeom prst="rect">
+            <a:avLst/>
+          </a:prstGeom>
+          <a:solidFill>
+            <a:srgbClr val="75000C"/>
+          </a:solidFill>
+          <a:ln w="9525">
+            <a:solidFill>
+              <a:srgbClr val="74000F"/>
+            </a:solidFill>
+            <a:miter lim="400000"/>
+          </a:ln>
+        </p:spPr>
+        <p:txBody>
+          <a:bodyPr wrap="square" lIns="34289" rIns="34289" anchor="ctr" anchorCtr="0">
+            <a:normAutofit/>
+          </a:bodyPr>
+          <a:lstStyle/>
+          <a:p>
+            <a:pPr algn="ctr" fontAlgn="base">
+              <a:lnSpc>
+                <a:spcPct val="100000"/>
+              </a:lnSpc>
+            </a:pPr>
+            <a:r>
+              <a:rPr lang="en-US" altLang="zh-CN" sz="1200" b="1" noProof="1">
+                <a:solidFill>
+                  <a:schemeClr val="bg1"/>
+                </a:solidFill>
+                <a:uFillTx/>
+                <a:latin typeface="宋体" panose="02010600030101010101" pitchFamily="2" charset="-122"/>
+                <a:sym typeface="Arial" panose="020B0604020202020204" pitchFamily="34" charset="0"/>
+              </a:rPr>
+              <a:t>3</a:t>
+            </a:r>
+            <a:endParaRPr lang="en-US" altLang="zh-CN" sz="1200" b="1" strike="noStrike" noProof="1">
+              <a:solidFill>
+                <a:schemeClr val="bg1"/>
+              </a:solidFill>
+              <a:uFillTx/>
+              <a:latin typeface="宋体" panose="02010600030101010101" pitchFamily="2" charset="-122"/>
+              <a:cs typeface="+mn-cs"/>
+              <a:sym typeface="Arial" panose="020B0604020202020204" pitchFamily="34" charset="0"/>
+            </a:endParaRPr>
+          </a:p>
+        </p:txBody>
+      </p:sp>
+      <p:sp>
+        <p:nvSpPr>
+          <p:cNvPr id="7" name="文本框 38">
+            <a:extLst>
+              <a:ext uri="{FF2B5EF4-FFF2-40B4-BE49-F238E27FC236}">
+                <a16:creationId xmlns:a16="http://schemas.microsoft.com/office/drawing/2014/main" id="{0EA19183-A024-3E9B-0052-E454B6764DB9}"/>
+              </a:ext>
+            </a:extLst>
+          </p:cNvPr>
+          <p:cNvSpPr txBox="1"/>
+          <p:nvPr/>
+        </p:nvSpPr>
+        <p:spPr>
+          <a:xfrm>
+            <a:off x="1330956" y="4075986"/>
+            <a:ext cx="5638165" cy="368300"/>
+          </a:xfrm>
+          <a:prstGeom prst="rect">
+            <a:avLst/>
+          </a:prstGeom>
+          <a:noFill/>
+          <a:ln w="9525">
+            <a:noFill/>
+          </a:ln>
+        </p:spPr>
+        <p:txBody>
+          <a:bodyPr wrap="square" anchor="t" anchorCtr="0">
+            <a:spAutoFit/>
+          </a:bodyPr>
+          <a:lstStyle/>
+          <a:p>
+            <a:r>
+              <a:rPr lang="zh-CN" altLang="en-US" sz="1800" b="1" dirty="0">
+                <a:latin typeface="黑体" panose="02010609060101010101" pitchFamily="2" charset="-122"/>
+                <a:ea typeface="黑体" panose="02010609060101010101" pitchFamily="2" charset="-122"/>
+                <a:sym typeface="思源黑体" pitchFamily="34" charset="-122"/>
+              </a:rPr>
+              <a:t>市场竞争与用户需求的双重压力</a:t>
+            </a:r>
+            <a:endParaRPr lang="zh-CN" altLang="en-US" sz="1800" b="1" dirty="0">
+              <a:latin typeface="思源黑体" pitchFamily="34" charset="-122"/>
+              <a:ea typeface="思源黑体" pitchFamily="34" charset="-122"/>
+              <a:sym typeface="思源黑体" pitchFamily="34" charset="-122"/>
+            </a:endParaRPr>
           </a:p>
         </p:txBody>
       </p:sp>
@@ -36245,25 +36399,7 @@
                 <a:cs typeface="黑体" panose="02010609060101010101" pitchFamily="2" charset="-122"/>
                 <a:sym typeface="思源黑体" pitchFamily="34" charset="-122"/>
               </a:rPr>
-              <a:t>减小</a:t>
-            </a:r>
-            <a:r>
-              <a:rPr lang="en-US" altLang="zh-CN" b="1" dirty="0">
-                <a:latin typeface="黑体" panose="02010609060101010101" pitchFamily="2" charset="-122"/>
-                <a:ea typeface="黑体" panose="02010609060101010101" pitchFamily="2" charset="-122"/>
-                <a:cs typeface="黑体" panose="02010609060101010101" pitchFamily="2" charset="-122"/>
-                <a:sym typeface="思源黑体" pitchFamily="34" charset="-122"/>
-              </a:rPr>
-              <a:t>B</a:t>
-            </a:r>
-            <a:r>
-              <a:rPr lang="zh-CN" altLang="en-US" b="1" dirty="0">
-                <a:latin typeface="黑体" panose="02010609060101010101" pitchFamily="2" charset="-122"/>
-                <a:ea typeface="黑体" panose="02010609060101010101" pitchFamily="2" charset="-122"/>
-                <a:cs typeface="黑体" panose="02010609060101010101" pitchFamily="2" charset="-122"/>
-                <a:sym typeface="思源黑体" pitchFamily="34" charset="-122"/>
-              </a:rPr>
-              <a:t>公司软件项目风险</a:t>
+              <a:t>提高项目成功率</a:t>
             </a:r>
           </a:p>
         </p:txBody>
@@ -36276,8 +36412,8 @@
         </p:nvSpPr>
         <p:spPr>
           <a:xfrm>
-            <a:off x="1311275" y="3282315"/>
-            <a:ext cx="4543425" cy="369332"/>
+            <a:off x="1279398" y="4312077"/>
+            <a:ext cx="5242054" cy="369332"/>
           </a:xfrm>
           <a:prstGeom prst="rect">
             <a:avLst/>
@@ -36299,7 +36435,7 @@
                 <a:ea typeface="思源黑体" pitchFamily="34" charset="-122"/>
                 <a:sym typeface="思源黑体" pitchFamily="34" charset="-122"/>
               </a:rPr>
-              <a:t>为互联网公司提供软件项目风险管理的借鉴</a:t>
+              <a:t>为中小型互联网公司提供软件项目风险管理的借鉴</a:t>
             </a:r>
           </a:p>
         </p:txBody>
@@ -36370,7 +36506,7 @@
         </p:nvSpPr>
         <p:spPr>
           <a:xfrm>
-            <a:off x="839153" y="3284588"/>
+            <a:off x="876682" y="4313803"/>
             <a:ext cx="400254" cy="367606"/>
           </a:xfrm>
           <a:prstGeom prst="rect">
@@ -36398,16 +36534,15 @@
               </a:lnSpc>
             </a:pPr>
             <a:r>
-              <a:rPr lang="en-US" altLang="zh-CN" sz="1200" b="1" strike="noStrike" noProof="1">
+              <a:rPr lang="en-US" altLang="zh-CN" sz="1200" b="1" noProof="1">
                 <a:solidFill>
                   <a:schemeClr val="bg1"/>
                 </a:solidFill>
+                <a:uFillTx/>
                 <a:latin typeface="宋体" panose="02010600030101010101" pitchFamily="2" charset="-122"/>
-                <a:ea typeface="宋体" panose="02010600030101010101" pitchFamily="2" charset="-122"/>
-                <a:cs typeface="+mn-cs"/>
                 <a:sym typeface="Arial" panose="020B0604020202020204" pitchFamily="34" charset="0"/>
               </a:rPr>
-              <a:t>2</a:t>
+              <a:t>4</a:t>
             </a:r>
             <a:endParaRPr lang="en-US" altLang="zh-CN" sz="1200" b="1" strike="noStrike" noProof="1">
               <a:solidFill>
@@ -36435,8 +36570,8 @@
         </p:nvSpPr>
         <p:spPr>
           <a:xfrm>
-            <a:off x="1701209" y="2232837"/>
-            <a:ext cx="2723823" cy="646331"/>
+            <a:off x="1304384" y="2073076"/>
+            <a:ext cx="4570482" cy="369332"/>
           </a:xfrm>
           <a:prstGeom prst="rect">
             <a:avLst/>
@@ -36451,14 +36586,382 @@
           <a:p>
             <a:r>
               <a:rPr lang="en-CN" dirty="0"/>
-              <a:t>减小由于软件带来的风险</a:t>
-            </a:r>
-          </a:p>
+              <a:t>识别风险</a:t>
+            </a:r>
+            <a:r>
+              <a:rPr lang="zh-CN" altLang="en-US" dirty="0"/>
+              <a:t>、制定策略、减少项目失败可能性</a:t>
+            </a:r>
+            <a:endParaRPr lang="en-CN" dirty="0"/>
+          </a:p>
+        </p:txBody>
+      </p:sp>
+      <p:sp>
+        <p:nvSpPr>
+          <p:cNvPr id="4" name="TextBox 3">
+            <a:extLst>
+              <a:ext uri="{FF2B5EF4-FFF2-40B4-BE49-F238E27FC236}">
+                <a16:creationId xmlns:a16="http://schemas.microsoft.com/office/drawing/2014/main" id="{208B181E-E495-DD27-C9D6-B001CD0B8C2C}"/>
+              </a:ext>
+            </a:extLst>
+          </p:cNvPr>
+          <p:cNvSpPr txBox="1"/>
+          <p:nvPr/>
+        </p:nvSpPr>
+        <p:spPr>
+          <a:xfrm>
+            <a:off x="1382921" y="4752321"/>
+            <a:ext cx="4673074" cy="923330"/>
+          </a:xfrm>
+          <a:prstGeom prst="rect">
+            <a:avLst/>
+          </a:prstGeom>
+          <a:noFill/>
+        </p:spPr>
+        <p:txBody>
+          <a:bodyPr wrap="none" rtlCol="0">
+            <a:spAutoFit/>
+          </a:bodyPr>
+          <a:lstStyle/>
+          <a:p>
+            <a:r>
+              <a:rPr lang="zh-CN" altLang="en-US" dirty="0">
+                <a:hlinkClick r:id="rId7"/>
+              </a:rPr>
+              <a:t>截至</a:t>
+            </a:r>
+            <a:r>
+              <a:rPr lang="en-US" altLang="zh-CN" dirty="0">
+                <a:hlinkClick r:id="rId7"/>
+              </a:rPr>
+              <a:t>22</a:t>
+            </a:r>
+            <a:r>
+              <a:rPr lang="zh-CN" altLang="en-US" dirty="0">
+                <a:hlinkClick r:id="rId7"/>
+              </a:rPr>
+              <a:t>年末，中小微企业数量超过</a:t>
+            </a:r>
+            <a:r>
+              <a:rPr lang="en-US" altLang="zh-CN" dirty="0">
+                <a:hlinkClick r:id="rId7"/>
+              </a:rPr>
+              <a:t>5200</a:t>
+            </a:r>
+            <a:r>
+              <a:rPr lang="zh-CN" altLang="en-US" dirty="0">
+                <a:hlinkClick r:id="rId7"/>
+              </a:rPr>
+              <a:t>万户</a:t>
+            </a:r>
+            <a:endParaRPr lang="en-US" altLang="zh-CN" dirty="0"/>
+          </a:p>
+          <a:p>
+            <a:endParaRPr lang="en-US" altLang="zh-CN" dirty="0"/>
+          </a:p>
+          <a:p>
+            <a:r>
+              <a:rPr lang="en-US" altLang="zh-CN" dirty="0"/>
+              <a:t>2024</a:t>
+            </a:r>
+            <a:r>
+              <a:rPr lang="zh-CN" altLang="en-US" dirty="0"/>
+              <a:t>政府报告，深化大数据、人工智能</a:t>
+            </a:r>
+            <a:endParaRPr lang="en-CN" dirty="0"/>
+          </a:p>
+        </p:txBody>
+      </p:sp>
+      <p:sp>
+        <p:nvSpPr>
+          <p:cNvPr id="5" name="Shape 22">
+            <a:extLst>
+              <a:ext uri="{FF2B5EF4-FFF2-40B4-BE49-F238E27FC236}">
+                <a16:creationId xmlns:a16="http://schemas.microsoft.com/office/drawing/2014/main" id="{A8A62C9E-25EB-D6FE-541C-A401BFE6C0D3}"/>
+              </a:ext>
+            </a:extLst>
+          </p:cNvPr>
+          <p:cNvSpPr/>
+          <p:nvPr>
+            <p:custDataLst>
+              <p:tags r:id="rId3"/>
+            </p:custDataLst>
+          </p:nvPr>
+        </p:nvSpPr>
+        <p:spPr>
+          <a:xfrm>
+            <a:off x="839153" y="2526107"/>
+            <a:ext cx="400254" cy="367606"/>
+          </a:xfrm>
+          <a:prstGeom prst="rect">
+            <a:avLst/>
+          </a:prstGeom>
+          <a:solidFill>
+            <a:srgbClr val="75000C"/>
+          </a:solidFill>
+          <a:ln w="9525">
+            <a:solidFill>
+              <a:srgbClr val="74000F"/>
+            </a:solidFill>
+            <a:miter lim="400000"/>
+          </a:ln>
+        </p:spPr>
+        <p:txBody>
+          <a:bodyPr wrap="square" lIns="34289" rIns="34289" anchor="ctr" anchorCtr="0">
+            <a:normAutofit/>
+          </a:bodyPr>
+          <a:lstStyle/>
+          <a:p>
+            <a:pPr algn="ctr" fontAlgn="base">
+              <a:lnSpc>
+                <a:spcPct val="100000"/>
+              </a:lnSpc>
+            </a:pPr>
+            <a:r>
+              <a:rPr lang="en-US" altLang="zh-CN" sz="1200" b="1" strike="noStrike" noProof="1">
+                <a:solidFill>
+                  <a:schemeClr val="bg1"/>
+                </a:solidFill>
+                <a:uFillTx/>
+                <a:latin typeface="宋体" panose="02010600030101010101" pitchFamily="2" charset="-122"/>
+                <a:cs typeface="+mn-cs"/>
+                <a:sym typeface="Arial" panose="020B0604020202020204" pitchFamily="34" charset="0"/>
+              </a:rPr>
+              <a:t>2</a:t>
+            </a:r>
+          </a:p>
+        </p:txBody>
+      </p:sp>
+      <p:sp>
+        <p:nvSpPr>
+          <p:cNvPr id="6" name="Shape 22">
+            <a:extLst>
+              <a:ext uri="{FF2B5EF4-FFF2-40B4-BE49-F238E27FC236}">
+                <a16:creationId xmlns:a16="http://schemas.microsoft.com/office/drawing/2014/main" id="{93334585-852F-098F-0623-3EE8E6F643EE}"/>
+              </a:ext>
+            </a:extLst>
+          </p:cNvPr>
+          <p:cNvSpPr/>
+          <p:nvPr>
+            <p:custDataLst>
+              <p:tags r:id="rId4"/>
+            </p:custDataLst>
+          </p:nvPr>
+        </p:nvSpPr>
+        <p:spPr>
+          <a:xfrm>
+            <a:off x="839153" y="3407416"/>
+            <a:ext cx="400254" cy="367606"/>
+          </a:xfrm>
+          <a:prstGeom prst="rect">
+            <a:avLst/>
+          </a:prstGeom>
+          <a:solidFill>
+            <a:srgbClr val="75000C"/>
+          </a:solidFill>
+          <a:ln w="9525">
+            <a:solidFill>
+              <a:srgbClr val="74000F"/>
+            </a:solidFill>
+            <a:miter lim="400000"/>
+          </a:ln>
+        </p:spPr>
+        <p:txBody>
+          <a:bodyPr wrap="square" lIns="34289" rIns="34289" anchor="ctr" anchorCtr="0">
+            <a:normAutofit/>
+          </a:bodyPr>
+          <a:lstStyle/>
+          <a:p>
+            <a:pPr algn="ctr" fontAlgn="base">
+              <a:lnSpc>
+                <a:spcPct val="100000"/>
+              </a:lnSpc>
+            </a:pPr>
+            <a:r>
+              <a:rPr lang="en-US" altLang="zh-CN" sz="1200" b="1" noProof="1">
+                <a:solidFill>
+                  <a:schemeClr val="bg1"/>
+                </a:solidFill>
+                <a:latin typeface="宋体" panose="02010600030101010101" pitchFamily="2" charset="-122"/>
+                <a:sym typeface="Arial" panose="020B0604020202020204" pitchFamily="34" charset="0"/>
+              </a:rPr>
+              <a:t>3</a:t>
+            </a:r>
+            <a:endParaRPr lang="en-US" altLang="zh-CN" sz="1200" b="1" strike="noStrike" noProof="1">
+              <a:solidFill>
+                <a:schemeClr val="bg1"/>
+              </a:solidFill>
+              <a:uFillTx/>
+              <a:latin typeface="宋体" panose="02010600030101010101" pitchFamily="2" charset="-122"/>
+              <a:cs typeface="+mn-cs"/>
+              <a:sym typeface="Arial" panose="020B0604020202020204" pitchFamily="34" charset="0"/>
+            </a:endParaRPr>
+          </a:p>
+        </p:txBody>
+      </p:sp>
+      <p:sp>
+        <p:nvSpPr>
+          <p:cNvPr id="7" name="文本框 36">
+            <a:extLst>
+              <a:ext uri="{FF2B5EF4-FFF2-40B4-BE49-F238E27FC236}">
+                <a16:creationId xmlns:a16="http://schemas.microsoft.com/office/drawing/2014/main" id="{03C1D68F-33A2-14A0-9CA5-3B39BAA8B236}"/>
+              </a:ext>
+            </a:extLst>
+          </p:cNvPr>
+          <p:cNvSpPr txBox="1"/>
+          <p:nvPr/>
+        </p:nvSpPr>
+        <p:spPr>
+          <a:xfrm>
+            <a:off x="1311275" y="2528514"/>
+            <a:ext cx="4591050" cy="368300"/>
+          </a:xfrm>
+          <a:prstGeom prst="rect">
+            <a:avLst/>
+          </a:prstGeom>
+          <a:noFill/>
+          <a:ln w="9525">
+            <a:noFill/>
+          </a:ln>
+        </p:spPr>
+        <p:txBody>
+          <a:bodyPr wrap="square" anchor="t" anchorCtr="0">
+            <a:spAutoFit/>
+          </a:bodyPr>
+          <a:lstStyle/>
+          <a:p>
+            <a:r>
+              <a:rPr lang="zh-CN" altLang="en-US" b="1" dirty="0">
+                <a:latin typeface="黑体" panose="02010609060101010101" pitchFamily="2" charset="-122"/>
+                <a:ea typeface="黑体" panose="02010609060101010101" pitchFamily="2" charset="-122"/>
+                <a:cs typeface="黑体" panose="02010609060101010101" pitchFamily="2" charset="-122"/>
+                <a:sym typeface="思源黑体" pitchFamily="34" charset="-122"/>
+              </a:rPr>
+              <a:t>增强竞争优势</a:t>
+            </a:r>
+          </a:p>
+        </p:txBody>
+      </p:sp>
+      <p:sp>
+        <p:nvSpPr>
+          <p:cNvPr id="8" name="TextBox 7">
+            <a:extLst>
+              <a:ext uri="{FF2B5EF4-FFF2-40B4-BE49-F238E27FC236}">
+                <a16:creationId xmlns:a16="http://schemas.microsoft.com/office/drawing/2014/main" id="{4C4360F4-1513-9712-83BE-C3B758A399BB}"/>
+              </a:ext>
+            </a:extLst>
+          </p:cNvPr>
+          <p:cNvSpPr txBox="1"/>
+          <p:nvPr/>
+        </p:nvSpPr>
+        <p:spPr>
+          <a:xfrm>
+            <a:off x="1311275" y="2982920"/>
+            <a:ext cx="4108817" cy="369332"/>
+          </a:xfrm>
+          <a:prstGeom prst="rect">
+            <a:avLst/>
+          </a:prstGeom>
+          <a:noFill/>
+        </p:spPr>
+        <p:txBody>
+          <a:bodyPr wrap="none" rtlCol="0">
+            <a:spAutoFit/>
+          </a:bodyPr>
+          <a:lstStyle/>
           <a:p>
             <a:r>
               <a:rPr lang="en-CN" dirty="0"/>
-              <a:t>增加项目的成功率</a:t>
-            </a:r>
+              <a:t>竞争</a:t>
+            </a:r>
+            <a:r>
+              <a:rPr lang="zh-CN" altLang="en-US" dirty="0"/>
+              <a:t>、需求变化，快速响应和适应变化</a:t>
+            </a:r>
+            <a:endParaRPr lang="en-CN" dirty="0"/>
+          </a:p>
+        </p:txBody>
+      </p:sp>
+      <p:sp>
+        <p:nvSpPr>
+          <p:cNvPr id="9" name="文本框 36">
+            <a:extLst>
+              <a:ext uri="{FF2B5EF4-FFF2-40B4-BE49-F238E27FC236}">
+                <a16:creationId xmlns:a16="http://schemas.microsoft.com/office/drawing/2014/main" id="{F209FF9A-8965-69B0-905C-AE00AAE835C7}"/>
+              </a:ext>
+            </a:extLst>
+          </p:cNvPr>
+          <p:cNvSpPr txBox="1"/>
+          <p:nvPr/>
+        </p:nvSpPr>
+        <p:spPr>
+          <a:xfrm>
+            <a:off x="1311275" y="3423164"/>
+            <a:ext cx="4591050" cy="368300"/>
+          </a:xfrm>
+          <a:prstGeom prst="rect">
+            <a:avLst/>
+          </a:prstGeom>
+          <a:noFill/>
+          <a:ln w="9525">
+            <a:noFill/>
+          </a:ln>
+        </p:spPr>
+        <p:txBody>
+          <a:bodyPr wrap="square" anchor="t" anchorCtr="0">
+            <a:spAutoFit/>
+          </a:bodyPr>
+          <a:lstStyle/>
+          <a:p>
+            <a:r>
+              <a:rPr lang="zh-CN" altLang="en-US" b="1" dirty="0">
+                <a:latin typeface="黑体" panose="02010609060101010101" pitchFamily="2" charset="-122"/>
+                <a:ea typeface="黑体" panose="02010609060101010101" pitchFamily="2" charset="-122"/>
+                <a:cs typeface="黑体" panose="02010609060101010101" pitchFamily="2" charset="-122"/>
+                <a:sym typeface="思源黑体" pitchFamily="34" charset="-122"/>
+              </a:rPr>
+              <a:t>支持战略决策</a:t>
+            </a:r>
+          </a:p>
+        </p:txBody>
+      </p:sp>
+      <p:sp>
+        <p:nvSpPr>
+          <p:cNvPr id="10" name="TextBox 9">
+            <a:extLst>
+              <a:ext uri="{FF2B5EF4-FFF2-40B4-BE49-F238E27FC236}">
+                <a16:creationId xmlns:a16="http://schemas.microsoft.com/office/drawing/2014/main" id="{ED982CE3-965B-2B7C-0F0B-E2687A7CD511}"/>
+              </a:ext>
+            </a:extLst>
+          </p:cNvPr>
+          <p:cNvSpPr txBox="1"/>
+          <p:nvPr/>
+        </p:nvSpPr>
+        <p:spPr>
+          <a:xfrm>
+            <a:off x="1311275" y="3860961"/>
+            <a:ext cx="5080237" cy="369332"/>
+          </a:xfrm>
+          <a:prstGeom prst="rect">
+            <a:avLst/>
+          </a:prstGeom>
+          <a:noFill/>
+        </p:spPr>
+        <p:txBody>
+          <a:bodyPr wrap="none" rtlCol="0">
+            <a:spAutoFit/>
+          </a:bodyPr>
+          <a:lstStyle/>
+          <a:p>
+            <a:r>
+              <a:rPr lang="en-CN" dirty="0"/>
+              <a:t>全面考虑风险</a:t>
+            </a:r>
+            <a:r>
+              <a:rPr lang="zh-CN" altLang="en-US" dirty="0"/>
+              <a:t>、确保不确定中稳健前行、可持续</a:t>
+            </a:r>
+            <a:endParaRPr lang="en-CN" dirty="0"/>
           </a:p>
         </p:txBody>
       </p:sp>
@@ -38346,9 +38849,25 @@
 
 <file path=ppt/tags/tag23.xml><?xml version="1.0" encoding="utf-8"?>
 <p:tagLst xmlns:a="http://schemas.openxmlformats.org/drawingml/2006/main" xmlns:r="http://schemas.openxmlformats.org/officeDocument/2006/relationships" xmlns:p="http://schemas.openxmlformats.org/presentationml/2006/main">
-  <p:tag name="KSO_WM_UNIT_TABLE_BEAUTIFY" val="smartTable{0f94d92d-e24c-478e-ad19-d66fef1d0eba}"/>
-  <p:tag name="TABLE_ENDDRAG_ORIGIN_RECT" val="586*194"/>
-  <p:tag name="TABLE_ENDDRAG_RECT" val="70*173*586*194"/>
+  <p:tag name="KSO_WM_UNIT_FILL_FORE_SCHEMECOLOR_INDEX" val="13"/>
+  <p:tag name="KSO_WM_UNIT_FILL_TYPE" val="1"/>
+  <p:tag name="KSO_WM_UNIT_TEXT_FILL_FORE_SCHEMECOLOR_INDEX" val="14"/>
+  <p:tag name="KSO_WM_UNIT_TEXT_FILL_TYPE" val="1"/>
+  <p:tag name="KSO_WM_UNIT_USESOURCEFORMAT_APPLY" val="1"/>
+  <p:tag name="KSO_WM_UNIT_HIGHLIGHT" val="0"/>
+  <p:tag name="KSO_WM_UNIT_COMPATIBLE" val="0"/>
+  <p:tag name="KSO_WM_UNIT_DIAGRAM_ISNUMVISUAL" val="0"/>
+  <p:tag name="KSO_WM_UNIT_DIAGRAM_ISREFERUNIT" val="0"/>
+  <p:tag name="KSO_WM_DIAGRAM_GROUP_CODE" val="l1-1"/>
+  <p:tag name="KSO_WM_UNIT_SUBTYPE" val="d"/>
+  <p:tag name="KSO_WM_UNIT_TYPE" val="l_h_i"/>
+  <p:tag name="KSO_WM_UNIT_INDEX" val="1_2_2"/>
+  <p:tag name="KSO_WM_UNIT_LAYERLEVEL" val="1_1_1"/>
+  <p:tag name="KSO_WM_TAG_VERSION" val="1.0"/>
+  <p:tag name="KSO_WM_BEAUTIFY_FLAG" val="#wm#"/>
+  <p:tag name="KSO_WM_TEMPLATE_CATEGORY" val="custom"/>
+  <p:tag name="KSO_WM_TEMPLATE_INDEX" val="20204327"/>
+  <p:tag name="KSO_WM_UNIT_ID" val="custom20204327_3*l_h_i*1_2_2"/>
 </p:tagLst>
 </file>
 
@@ -38402,25 +38921,9 @@
 
 <file path=ppt/tags/tag26.xml><?xml version="1.0" encoding="utf-8"?>
 <p:tagLst xmlns:a="http://schemas.openxmlformats.org/drawingml/2006/main" xmlns:r="http://schemas.openxmlformats.org/officeDocument/2006/relationships" xmlns:p="http://schemas.openxmlformats.org/presentationml/2006/main">
-  <p:tag name="KSO_WM_UNIT_FILL_FORE_SCHEMECOLOR_INDEX" val="13"/>
-  <p:tag name="KSO_WM_UNIT_FILL_TYPE" val="1"/>
-  <p:tag name="KSO_WM_UNIT_TEXT_FILL_FORE_SCHEMECOLOR_INDEX" val="14"/>
-  <p:tag name="KSO_WM_UNIT_TEXT_FILL_TYPE" val="1"/>
-  <p:tag name="KSO_WM_UNIT_USESOURCEFORMAT_APPLY" val="1"/>
-  <p:tag name="KSO_WM_UNIT_HIGHLIGHT" val="0"/>
-  <p:tag name="KSO_WM_UNIT_COMPATIBLE" val="0"/>
-  <p:tag name="KSO_WM_UNIT_DIAGRAM_ISNUMVISUAL" val="0"/>
-  <p:tag name="KSO_WM_UNIT_DIAGRAM_ISREFERUNIT" val="0"/>
-  <p:tag name="KSO_WM_DIAGRAM_GROUP_CODE" val="l1-1"/>
-  <p:tag name="KSO_WM_UNIT_SUBTYPE" val="d"/>
-  <p:tag name="KSO_WM_UNIT_TYPE" val="l_h_i"/>
-  <p:tag name="KSO_WM_UNIT_INDEX" val="1_2_2"/>
-  <p:tag name="KSO_WM_UNIT_LAYERLEVEL" val="1_1_1"/>
-  <p:tag name="KSO_WM_TAG_VERSION" val="1.0"/>
-  <p:tag name="KSO_WM_BEAUTIFY_FLAG" val="#wm#"/>
-  <p:tag name="KSO_WM_TEMPLATE_CATEGORY" val="custom"/>
-  <p:tag name="KSO_WM_TEMPLATE_INDEX" val="20204327"/>
-  <p:tag name="KSO_WM_UNIT_ID" val="custom20204327_3*l_h_i*1_2_2"/>
+  <p:tag name="KSO_WM_UNIT_TABLE_BEAUTIFY" val="smartTable{0f94d92d-e24c-478e-ad19-d66fef1d0eba}"/>
+  <p:tag name="TABLE_ENDDRAG_ORIGIN_RECT" val="586*194"/>
+  <p:tag name="TABLE_ENDDRAG_RECT" val="70*173*586*194"/>
 </p:tagLst>
 </file>
 
@@ -38617,6 +39120,78 @@
 </file>
 
 <file path=ppt/tags/tag34.xml><?xml version="1.0" encoding="utf-8"?>
+<p:tagLst xmlns:a="http://schemas.openxmlformats.org/drawingml/2006/main" xmlns:r="http://schemas.openxmlformats.org/officeDocument/2006/relationships" xmlns:p="http://schemas.openxmlformats.org/presentationml/2006/main">
+  <p:tag name="KSO_WM_UNIT_FILL_FORE_SCHEMECOLOR_INDEX" val="13"/>
+  <p:tag name="KSO_WM_UNIT_FILL_TYPE" val="1"/>
+  <p:tag name="KSO_WM_UNIT_TEXT_FILL_FORE_SCHEMECOLOR_INDEX" val="14"/>
+  <p:tag name="KSO_WM_UNIT_TEXT_FILL_TYPE" val="1"/>
+  <p:tag name="KSO_WM_UNIT_USESOURCEFORMAT_APPLY" val="1"/>
+  <p:tag name="KSO_WM_UNIT_HIGHLIGHT" val="0"/>
+  <p:tag name="KSO_WM_UNIT_COMPATIBLE" val="0"/>
+  <p:tag name="KSO_WM_UNIT_DIAGRAM_ISNUMVISUAL" val="0"/>
+  <p:tag name="KSO_WM_UNIT_DIAGRAM_ISREFERUNIT" val="0"/>
+  <p:tag name="KSO_WM_DIAGRAM_GROUP_CODE" val="l1-1"/>
+  <p:tag name="KSO_WM_UNIT_SUBTYPE" val="d"/>
+  <p:tag name="KSO_WM_UNIT_TYPE" val="l_h_i"/>
+  <p:tag name="KSO_WM_UNIT_INDEX" val="1_2_2"/>
+  <p:tag name="KSO_WM_UNIT_LAYERLEVEL" val="1_1_1"/>
+  <p:tag name="KSO_WM_TAG_VERSION" val="1.0"/>
+  <p:tag name="KSO_WM_BEAUTIFY_FLAG" val="#wm#"/>
+  <p:tag name="KSO_WM_TEMPLATE_CATEGORY" val="custom"/>
+  <p:tag name="KSO_WM_TEMPLATE_INDEX" val="20204327"/>
+  <p:tag name="KSO_WM_UNIT_ID" val="custom20204327_3*l_h_i*1_2_2"/>
+</p:tagLst>
+</file>
+
+<file path=ppt/tags/tag35.xml><?xml version="1.0" encoding="utf-8"?>
+<p:tagLst xmlns:a="http://schemas.openxmlformats.org/drawingml/2006/main" xmlns:r="http://schemas.openxmlformats.org/officeDocument/2006/relationships" xmlns:p="http://schemas.openxmlformats.org/presentationml/2006/main">
+  <p:tag name="KSO_WM_UNIT_FILL_FORE_SCHEMECOLOR_INDEX" val="13"/>
+  <p:tag name="KSO_WM_UNIT_FILL_TYPE" val="1"/>
+  <p:tag name="KSO_WM_UNIT_TEXT_FILL_FORE_SCHEMECOLOR_INDEX" val="14"/>
+  <p:tag name="KSO_WM_UNIT_TEXT_FILL_TYPE" val="1"/>
+  <p:tag name="KSO_WM_UNIT_USESOURCEFORMAT_APPLY" val="1"/>
+  <p:tag name="KSO_WM_UNIT_HIGHLIGHT" val="0"/>
+  <p:tag name="KSO_WM_UNIT_COMPATIBLE" val="0"/>
+  <p:tag name="KSO_WM_UNIT_DIAGRAM_ISNUMVISUAL" val="0"/>
+  <p:tag name="KSO_WM_UNIT_DIAGRAM_ISREFERUNIT" val="0"/>
+  <p:tag name="KSO_WM_DIAGRAM_GROUP_CODE" val="l1-1"/>
+  <p:tag name="KSO_WM_UNIT_SUBTYPE" val="d"/>
+  <p:tag name="KSO_WM_UNIT_TYPE" val="l_h_i"/>
+  <p:tag name="KSO_WM_UNIT_INDEX" val="1_2_2"/>
+  <p:tag name="KSO_WM_UNIT_LAYERLEVEL" val="1_1_1"/>
+  <p:tag name="KSO_WM_TAG_VERSION" val="1.0"/>
+  <p:tag name="KSO_WM_BEAUTIFY_FLAG" val="#wm#"/>
+  <p:tag name="KSO_WM_TEMPLATE_CATEGORY" val="custom"/>
+  <p:tag name="KSO_WM_TEMPLATE_INDEX" val="20204327"/>
+  <p:tag name="KSO_WM_UNIT_ID" val="custom20204327_3*l_h_i*1_2_2"/>
+</p:tagLst>
+</file>
+
+<file path=ppt/tags/tag36.xml><?xml version="1.0" encoding="utf-8"?>
+<p:tagLst xmlns:a="http://schemas.openxmlformats.org/drawingml/2006/main" xmlns:r="http://schemas.openxmlformats.org/officeDocument/2006/relationships" xmlns:p="http://schemas.openxmlformats.org/presentationml/2006/main">
+  <p:tag name="KSO_WM_UNIT_FILL_FORE_SCHEMECOLOR_INDEX" val="13"/>
+  <p:tag name="KSO_WM_UNIT_FILL_TYPE" val="1"/>
+  <p:tag name="KSO_WM_UNIT_TEXT_FILL_FORE_SCHEMECOLOR_INDEX" val="14"/>
+  <p:tag name="KSO_WM_UNIT_TEXT_FILL_TYPE" val="1"/>
+  <p:tag name="KSO_WM_UNIT_USESOURCEFORMAT_APPLY" val="1"/>
+  <p:tag name="KSO_WM_UNIT_HIGHLIGHT" val="0"/>
+  <p:tag name="KSO_WM_UNIT_COMPATIBLE" val="0"/>
+  <p:tag name="KSO_WM_UNIT_DIAGRAM_ISNUMVISUAL" val="0"/>
+  <p:tag name="KSO_WM_UNIT_DIAGRAM_ISREFERUNIT" val="0"/>
+  <p:tag name="KSO_WM_DIAGRAM_GROUP_CODE" val="l1-1"/>
+  <p:tag name="KSO_WM_UNIT_SUBTYPE" val="d"/>
+  <p:tag name="KSO_WM_UNIT_TYPE" val="l_h_i"/>
+  <p:tag name="KSO_WM_UNIT_INDEX" val="1_2_2"/>
+  <p:tag name="KSO_WM_UNIT_LAYERLEVEL" val="1_1_1"/>
+  <p:tag name="KSO_WM_TAG_VERSION" val="1.0"/>
+  <p:tag name="KSO_WM_BEAUTIFY_FLAG" val="#wm#"/>
+  <p:tag name="KSO_WM_TEMPLATE_CATEGORY" val="custom"/>
+  <p:tag name="KSO_WM_TEMPLATE_INDEX" val="20204327"/>
+  <p:tag name="KSO_WM_UNIT_ID" val="custom20204327_3*l_h_i*1_2_2"/>
+</p:tagLst>
+</file>
+
+<file path=ppt/tags/tag37.xml><?xml version="1.0" encoding="utf-8"?>
 <p:tagLst xmlns:a="http://schemas.openxmlformats.org/drawingml/2006/main" xmlns:r="http://schemas.openxmlformats.org/officeDocument/2006/relationships" xmlns:p="http://schemas.openxmlformats.org/presentationml/2006/main">
   <p:tag name="KSO_WM_UNIT_FILL_FORE_SCHEMECOLOR_INDEX" val="13"/>
   <p:tag name="KSO_WM_UNIT_FILL_TYPE" val="1"/>
